--- a/apresentacoes/Aula4/Etapa5.pptx
+++ b/apresentacoes/Aula4/Etapa5.pptx
@@ -284,7 +284,7 @@
       </p15:sldGuideLst>
     </p:ext>
     <p:ext uri="http://customooxmlschemas.google.com/">
-      <go:slidesCustomData xmlns:go="http://customooxmlschemas.google.com/" xmlns:ahyp="http://schemas.microsoft.com/office/drawing/2018/hyperlinkcolor" xmlns:p15="http://schemas.microsoft.com/office/powerpoint/2012/main" xmlns:p14="http://schemas.microsoft.com/office/powerpoint/2010/main" xmlns:com="http://schemas.openxmlformats.org/drawingml/2006/compatibility" xmlns:pvml="urn:schemas-microsoft-com:office:powerpoint" xmlns:v="urn:schemas-microsoft-com:vml" xmlns:o="urn:schemas-microsoft-com:office:office" xmlns:dgm="http://schemas.openxmlformats.org/drawingml/2006/diagram" xmlns:c="http://schemas.openxmlformats.org/drawingml/2006/chart" xmlns:mv="urn:schemas-microsoft-com:mac:vml" xmlns:mc="http://schemas.openxmlformats.org/markup-compatibility/2006" xmlns="" r:id="rId34" roundtripDataSignature="AMtx7mij1fsZUe5V3lBG5qQcqOvrI5UhJw=="/>
+      <go:slidesCustomData xmlns="" xmlns:mc="http://schemas.openxmlformats.org/markup-compatibility/2006" xmlns:mv="urn:schemas-microsoft-com:mac:vml" xmlns:c="http://schemas.openxmlformats.org/drawingml/2006/chart" xmlns:dgm="http://schemas.openxmlformats.org/drawingml/2006/diagram" xmlns:o="urn:schemas-microsoft-com:office:office" xmlns:v="urn:schemas-microsoft-com:vml" xmlns:pvml="urn:schemas-microsoft-com:office:powerpoint" xmlns:com="http://schemas.openxmlformats.org/drawingml/2006/compatibility" xmlns:p14="http://schemas.microsoft.com/office/powerpoint/2010/main" xmlns:p15="http://schemas.microsoft.com/office/powerpoint/2012/main" xmlns:ahyp="http://schemas.microsoft.com/office/drawing/2018/hyperlinkcolor" xmlns:go="http://customooxmlschemas.google.com/" r:id="rId34" roundtripDataSignature="AMtx7mij1fsZUe5V3lBG5qQcqOvrI5UhJw=="/>
     </p:ext>
   </p:extLst>
 </p:presentation>
@@ -20760,8 +20760,29 @@
                 <a:cs typeface="Century Gothic"/>
                 <a:sym typeface="Century Gothic"/>
               </a:rPr>
-              <a:t>Aula 4| Etapa 4: </a:t>
+              <a:t>Aula 4| </a:t>
             </a:r>
+            <a:r>
+              <a:rPr lang="en-US" sz="2800" b="1" i="0" u="none" strike="noStrike" cap="none">
+                <a:solidFill>
+                  <a:schemeClr val="lt1"/>
+                </a:solidFill>
+                <a:latin typeface="Century Gothic"/>
+                <a:ea typeface="Century Gothic"/>
+                <a:cs typeface="Century Gothic"/>
+                <a:sym typeface="Century Gothic"/>
+              </a:rPr>
+              <a:t>Etapa 5: </a:t>
+            </a:r>
+            <a:endParaRPr lang="en-US" sz="2800" b="1" i="0" u="none" strike="noStrike" cap="none" dirty="0">
+              <a:solidFill>
+                <a:schemeClr val="lt1"/>
+              </a:solidFill>
+              <a:latin typeface="Century Gothic"/>
+              <a:ea typeface="Century Gothic"/>
+              <a:cs typeface="Century Gothic"/>
+              <a:sym typeface="Century Gothic"/>
+            </a:endParaRPr>
           </a:p>
           <a:p>
             <a:pPr lvl="0">
@@ -20957,7 +20978,7 @@
         <p:fade/>
       </p:transition>
     </mc:Choice>
-    <mc:Fallback xmlns="" xmlns:mv="urn:schemas-microsoft-com:mac:vml" xmlns:c="http://schemas.openxmlformats.org/drawingml/2006/chart" xmlns:dgm="http://schemas.openxmlformats.org/drawingml/2006/diagram" xmlns:o="urn:schemas-microsoft-com:office:office" xmlns:v="urn:schemas-microsoft-com:vml" xmlns:pvml="urn:schemas-microsoft-com:office:powerpoint" xmlns:com="http://schemas.openxmlformats.org/drawingml/2006/compatibility" xmlns:p15="http://schemas.microsoft.com/office/powerpoint/2012/main" xmlns:ahyp="http://schemas.microsoft.com/office/drawing/2018/hyperlinkcolor">
+    <mc:Fallback xmlns:ahyp="http://schemas.microsoft.com/office/drawing/2018/hyperlinkcolor" xmlns:p15="http://schemas.microsoft.com/office/powerpoint/2012/main" xmlns:com="http://schemas.openxmlformats.org/drawingml/2006/compatibility" xmlns:pvml="urn:schemas-microsoft-com:office:powerpoint" xmlns:v="urn:schemas-microsoft-com:vml" xmlns:o="urn:schemas-microsoft-com:office:office" xmlns:dgm="http://schemas.openxmlformats.org/drawingml/2006/diagram" xmlns:c="http://schemas.openxmlformats.org/drawingml/2006/chart" xmlns:mv="urn:schemas-microsoft-com:mac:vml" xmlns="">
       <p:transition spd="slow">
         <p:fade/>
       </p:transition>
@@ -21537,7 +21558,7 @@
         <p:fade/>
       </p:transition>
     </mc:Choice>
-    <mc:Fallback xmlns:ahyp="http://schemas.microsoft.com/office/drawing/2018/hyperlinkcolor" xmlns:p15="http://schemas.microsoft.com/office/powerpoint/2012/main" xmlns:com="http://schemas.openxmlformats.org/drawingml/2006/compatibility" xmlns:pvml="urn:schemas-microsoft-com:office:powerpoint" xmlns:v="urn:schemas-microsoft-com:vml" xmlns:o="urn:schemas-microsoft-com:office:office" xmlns:dgm="http://schemas.openxmlformats.org/drawingml/2006/diagram" xmlns:c="http://schemas.openxmlformats.org/drawingml/2006/chart" xmlns:mv="urn:schemas-microsoft-com:mac:vml" xmlns="">
+    <mc:Fallback xmlns="" xmlns:mv="urn:schemas-microsoft-com:mac:vml" xmlns:c="http://schemas.openxmlformats.org/drawingml/2006/chart" xmlns:dgm="http://schemas.openxmlformats.org/drawingml/2006/diagram" xmlns:o="urn:schemas-microsoft-com:office:office" xmlns:v="urn:schemas-microsoft-com:vml" xmlns:pvml="urn:schemas-microsoft-com:office:powerpoint" xmlns:com="http://schemas.openxmlformats.org/drawingml/2006/compatibility" xmlns:p15="http://schemas.microsoft.com/office/powerpoint/2012/main" xmlns:ahyp="http://schemas.microsoft.com/office/drawing/2018/hyperlinkcolor">
       <p:transition spd="slow">
         <p:fade/>
       </p:transition>
@@ -22399,7 +22420,7 @@
         <p:fade/>
       </p:transition>
     </mc:Choice>
-    <mc:Fallback xmlns:ahyp="http://schemas.microsoft.com/office/drawing/2018/hyperlinkcolor" xmlns:p15="http://schemas.microsoft.com/office/powerpoint/2012/main" xmlns:com="http://schemas.openxmlformats.org/drawingml/2006/compatibility" xmlns:pvml="urn:schemas-microsoft-com:office:powerpoint" xmlns:v="urn:schemas-microsoft-com:vml" xmlns:o="urn:schemas-microsoft-com:office:office" xmlns:dgm="http://schemas.openxmlformats.org/drawingml/2006/diagram" xmlns:c="http://schemas.openxmlformats.org/drawingml/2006/chart" xmlns:mv="urn:schemas-microsoft-com:mac:vml" xmlns="">
+    <mc:Fallback xmlns="" xmlns:mv="urn:schemas-microsoft-com:mac:vml" xmlns:c="http://schemas.openxmlformats.org/drawingml/2006/chart" xmlns:dgm="http://schemas.openxmlformats.org/drawingml/2006/diagram" xmlns:o="urn:schemas-microsoft-com:office:office" xmlns:v="urn:schemas-microsoft-com:vml" xmlns:pvml="urn:schemas-microsoft-com:office:powerpoint" xmlns:com="http://schemas.openxmlformats.org/drawingml/2006/compatibility" xmlns:p15="http://schemas.microsoft.com/office/powerpoint/2012/main" xmlns:ahyp="http://schemas.microsoft.com/office/drawing/2018/hyperlinkcolor">
       <p:transition spd="slow">
         <p:fade/>
       </p:transition>
